--- a/documentation/vcm-010715.pptx
+++ b/documentation/vcm-010715.pptx
@@ -153,6 +153,22 @@
       </a:defRPr>
     </a:lvl9pPr>
   </p:defaultTextStyle>
+  <p:extLst>
+    <p:ext uri="{EFAFB233-063F-42B5-8137-9DF3F51BA10A}">
+      <p15:sldGuideLst xmlns:p15="http://schemas.microsoft.com/office/powerpoint/2012/main">
+        <p15:guide id="1" orient="horz" pos="2160">
+          <p15:clr>
+            <a:srgbClr val="A4A3A4"/>
+          </p15:clr>
+        </p15:guide>
+        <p15:guide id="2" pos="2880">
+          <p15:clr>
+            <a:srgbClr val="A4A3A4"/>
+          </p15:clr>
+        </p15:guide>
+      </p15:sldGuideLst>
+    </p:ext>
+  </p:extLst>
 </p:presentation>
 </file>
 
@@ -267,7 +283,7 @@
               <a:pPr>
                 <a:defRPr/>
               </a:pPr>
-              <a:t>1/18/15</a:t>
+              <a:t>8/12/16</a:t>
             </a:fld>
             <a:endParaRPr lang="en-US"/>
           </a:p>
@@ -632,15 +648,15 @@
             <a:tailEnd/>
           </a:ln>
           <a:extLst>
-            <a:ext uri="{909E8E84-426E-40dd-AFC4-6F175D3DCCD1}">
-              <a14:hiddenFill xmlns:a14="http://schemas.microsoft.com/office/drawing/2010/main">
-                <a:solidFill>
-                  <a:srgbClr val="FFFFFF"/>
-                </a:solidFill>
-              </a14:hiddenFill>
-            </a:ext>
             <a:ext uri="{FAA26D3D-D897-4be2-8F04-BA451C77F1D7}">
               <ma14:placeholderFlag xmlns:ma14="http://schemas.microsoft.com/office/mac/drawingml/2011/main" val="1"/>
+            </a:ext>
+            <a:ext uri="{909E8E84-426E-40dd-AFC4-6F175D3DCCD1}">
+              <a14:hiddenFill xmlns:a14="http://schemas.microsoft.com/office/drawing/2010/main" xmlns="">
+                <a:solidFill>
+                  <a:srgbClr val="FFFFFF"/>
+                </a:solidFill>
+              </a14:hiddenFill>
             </a:ext>
           </a:extLst>
         </p:spPr>
@@ -659,14 +675,14 @@
           <a:noFill/>
           <a:extLst>
             <a:ext uri="{909E8E84-426E-40dd-AFC4-6F175D3DCCD1}">
-              <a14:hiddenFill xmlns:a14="http://schemas.microsoft.com/office/drawing/2010/main">
+              <a14:hiddenFill xmlns:a14="http://schemas.microsoft.com/office/drawing/2010/main" xmlns="">
                 <a:solidFill>
                   <a:srgbClr val="FFFFFF"/>
                 </a:solidFill>
               </a14:hiddenFill>
             </a:ext>
             <a:ext uri="{91240B29-F687-4f45-9708-019B960494DF}">
-              <a14:hiddenLine xmlns:a14="http://schemas.microsoft.com/office/drawing/2010/main" w="9525">
+              <a14:hiddenLine xmlns:a14="http://schemas.microsoft.com/office/drawing/2010/main" xmlns="" w="9525">
                 <a:solidFill>
                   <a:srgbClr val="000000"/>
                 </a:solidFill>
@@ -710,14 +726,14 @@
           <a:noFill/>
           <a:extLst>
             <a:ext uri="{909E8E84-426E-40dd-AFC4-6F175D3DCCD1}">
-              <a14:hiddenFill xmlns:a14="http://schemas.microsoft.com/office/drawing/2010/main">
+              <a14:hiddenFill xmlns:a14="http://schemas.microsoft.com/office/drawing/2010/main" xmlns="">
                 <a:solidFill>
                   <a:srgbClr val="FFFFFF"/>
                 </a:solidFill>
               </a14:hiddenFill>
             </a:ext>
             <a:ext uri="{91240B29-F687-4f45-9708-019B960494DF}">
-              <a14:hiddenLine xmlns:a14="http://schemas.microsoft.com/office/drawing/2010/main" w="9525">
+              <a14:hiddenLine xmlns:a14="http://schemas.microsoft.com/office/drawing/2010/main" xmlns="" w="9525">
                 <a:solidFill>
                   <a:srgbClr val="000000"/>
                 </a:solidFill>
@@ -868,6 +884,11 @@
         </p:txBody>
       </p:sp>
     </p:spTree>
+    <p:extLst>
+      <p:ext uri="{BB962C8B-B14F-4D97-AF65-F5344CB8AC3E}">
+        <p14:creationId xmlns:p14="http://schemas.microsoft.com/office/powerpoint/2010/main" val="70009850"/>
+      </p:ext>
+    </p:extLst>
   </p:cSld>
   <p:clrMapOvr>
     <a:masterClrMapping/>
@@ -1056,6 +1077,11 @@
         </p:txBody>
       </p:sp>
     </p:spTree>
+    <p:extLst>
+      <p:ext uri="{BB962C8B-B14F-4D97-AF65-F5344CB8AC3E}">
+        <p14:creationId xmlns:p14="http://schemas.microsoft.com/office/powerpoint/2010/main" val="1754998470"/>
+      </p:ext>
+    </p:extLst>
   </p:cSld>
   <p:clrMapOvr>
     <a:masterClrMapping/>
@@ -1343,6 +1369,11 @@
         </p:txBody>
       </p:sp>
     </p:spTree>
+    <p:extLst>
+      <p:ext uri="{BB962C8B-B14F-4D97-AF65-F5344CB8AC3E}">
+        <p14:creationId xmlns:p14="http://schemas.microsoft.com/office/powerpoint/2010/main" val="1698555747"/>
+      </p:ext>
+    </p:extLst>
   </p:cSld>
   <p:clrMapOvr>
     <a:masterClrMapping/>
@@ -1482,16 +1513,16 @@
             <a:tailEnd/>
           </a:ln>
           <a:extLst>
-            <a:ext uri="{909E8E84-426E-40dd-AFC4-6F175D3DCCD1}">
-              <a14:hiddenFill xmlns:a14="http://schemas.microsoft.com/office/drawing/2010/main">
-                <a:solidFill>
-                  <a:srgbClr val="FFFFFF"/>
-                </a:solidFill>
-              </a14:hiddenFill>
-            </a:ext>
             <a:ext uri="{FAA26D3D-D897-4be2-8F04-BA451C77F1D7}">
               <ma14:placeholderFlag xmlns:ma14="http://schemas.microsoft.com/office/mac/drawingml/2011/main" val="1"/>
             </a:ext>
+            <a:ext uri="{909E8E84-426E-40dd-AFC4-6F175D3DCCD1}">
+              <a14:hiddenFill xmlns:a14="http://schemas.microsoft.com/office/drawing/2010/main" xmlns="">
+                <a:solidFill>
+                  <a:srgbClr val="FFFFFF"/>
+                </a:solidFill>
+              </a14:hiddenFill>
+            </a:ext>
           </a:extLst>
         </p:spPr>
       </p:sp>
@@ -1508,15 +1539,18 @@
         <p:spPr bwMode="auto">
           <a:noFill/>
           <a:extLst>
+            <a:ext uri="{FAA26D3D-D897-4be2-8F04-BA451C77F1D7}">
+              <ma14:placeholderFlag xmlns:ma14="http://schemas.microsoft.com/office/mac/drawingml/2011/main" val="1"/>
+            </a:ext>
             <a:ext uri="{909E8E84-426E-40dd-AFC4-6F175D3DCCD1}">
-              <a14:hiddenFill xmlns:a14="http://schemas.microsoft.com/office/drawing/2010/main">
+              <a14:hiddenFill xmlns:a14="http://schemas.microsoft.com/office/drawing/2010/main" xmlns="">
                 <a:solidFill>
                   <a:srgbClr val="FFFFFF"/>
                 </a:solidFill>
               </a14:hiddenFill>
             </a:ext>
             <a:ext uri="{91240B29-F687-4f45-9708-019B960494DF}">
-              <a14:hiddenLine xmlns:a14="http://schemas.microsoft.com/office/drawing/2010/main" w="9525">
+              <a14:hiddenLine xmlns:a14="http://schemas.microsoft.com/office/drawing/2010/main" xmlns="" w="9525">
                 <a:solidFill>
                   <a:srgbClr val="000000"/>
                 </a:solidFill>
@@ -1524,9 +1558,6 @@
                 <a:headEnd/>
                 <a:tailEnd/>
               </a14:hiddenLine>
-            </a:ext>
-            <a:ext uri="{FAA26D3D-D897-4be2-8F04-BA451C77F1D7}">
-              <ma14:placeholderFlag xmlns:ma14="http://schemas.microsoft.com/office/mac/drawingml/2011/main" val="1"/>
             </a:ext>
           </a:extLst>
         </p:spPr>
@@ -1574,6 +1605,11 @@
         </p:txBody>
       </p:sp>
     </p:spTree>
+    <p:extLst>
+      <p:ext uri="{BB962C8B-B14F-4D97-AF65-F5344CB8AC3E}">
+        <p14:creationId xmlns:p14="http://schemas.microsoft.com/office/powerpoint/2010/main" val="2143711548"/>
+      </p:ext>
+    </p:extLst>
   </p:cSld>
   <p:clrMapOvr>
     <a:masterClrMapping/>
@@ -1772,7 +1808,7 @@
               <a:pPr>
                 <a:defRPr/>
               </a:pPr>
-              <a:t>1/18/15</a:t>
+              <a:t>8/12/16</a:t>
             </a:fld>
             <a:endParaRPr lang="en-US"/>
           </a:p>
@@ -1969,7 +2005,7 @@
               <a:pPr>
                 <a:defRPr/>
               </a:pPr>
-              <a:t>1/18/15</a:t>
+              <a:t>8/12/16</a:t>
             </a:fld>
             <a:endParaRPr lang="en-US"/>
           </a:p>
@@ -2176,7 +2212,7 @@
               <a:pPr>
                 <a:defRPr/>
               </a:pPr>
-              <a:t>1/18/15</a:t>
+              <a:t>8/12/16</a:t>
             </a:fld>
             <a:endParaRPr lang="en-US"/>
           </a:p>
@@ -2373,7 +2409,7 @@
               <a:pPr>
                 <a:defRPr/>
               </a:pPr>
-              <a:t>1/18/15</a:t>
+              <a:t>8/12/16</a:t>
             </a:fld>
             <a:endParaRPr lang="en-US"/>
           </a:p>
@@ -2646,7 +2682,7 @@
               <a:pPr>
                 <a:defRPr/>
               </a:pPr>
-              <a:t>1/18/15</a:t>
+              <a:t>8/12/16</a:t>
             </a:fld>
             <a:endParaRPr lang="en-US"/>
           </a:p>
@@ -2961,7 +2997,7 @@
               <a:pPr>
                 <a:defRPr/>
               </a:pPr>
-              <a:t>1/18/15</a:t>
+              <a:t>8/12/16</a:t>
             </a:fld>
             <a:endParaRPr lang="en-US"/>
           </a:p>
@@ -3410,7 +3446,7 @@
               <a:pPr>
                 <a:defRPr/>
               </a:pPr>
-              <a:t>1/18/15</a:t>
+              <a:t>8/12/16</a:t>
             </a:fld>
             <a:endParaRPr lang="en-US"/>
           </a:p>
@@ -3555,7 +3591,7 @@
               <a:pPr>
                 <a:defRPr/>
               </a:pPr>
-              <a:t>1/18/15</a:t>
+              <a:t>8/12/16</a:t>
             </a:fld>
             <a:endParaRPr lang="en-US"/>
           </a:p>
@@ -3677,7 +3713,7 @@
               <a:pPr>
                 <a:defRPr/>
               </a:pPr>
-              <a:t>1/18/15</a:t>
+              <a:t>8/12/16</a:t>
             </a:fld>
             <a:endParaRPr lang="en-US"/>
           </a:p>
@@ -3981,7 +4017,7 @@
               <a:pPr>
                 <a:defRPr/>
               </a:pPr>
-              <a:t>1/18/15</a:t>
+              <a:t>8/12/16</a:t>
             </a:fld>
             <a:endParaRPr lang="en-US"/>
           </a:p>
@@ -4264,7 +4300,7 @@
               <a:pPr>
                 <a:defRPr/>
               </a:pPr>
-              <a:t>1/18/15</a:t>
+              <a:t>8/12/16</a:t>
             </a:fld>
             <a:endParaRPr lang="en-US"/>
           </a:p>
@@ -4405,15 +4441,18 @@
             <a:noFill/>
           </a:ln>
           <a:extLst>
+            <a:ext uri="{FAA26D3D-D897-4be2-8F04-BA451C77F1D7}">
+              <ma14:placeholderFlag xmlns:ma14="http://schemas.microsoft.com/office/mac/drawingml/2011/main" val="1"/>
+            </a:ext>
             <a:ext uri="{909E8E84-426E-40dd-AFC4-6F175D3DCCD1}">
-              <a14:hiddenFill xmlns:a14="http://schemas.microsoft.com/office/drawing/2010/main">
+              <a14:hiddenFill xmlns:a14="http://schemas.microsoft.com/office/drawing/2010/main" xmlns="">
                 <a:solidFill>
                   <a:srgbClr val="FFFFFF"/>
                 </a:solidFill>
               </a14:hiddenFill>
             </a:ext>
             <a:ext uri="{91240B29-F687-4f45-9708-019B960494DF}">
-              <a14:hiddenLine xmlns:a14="http://schemas.microsoft.com/office/drawing/2010/main" w="9525">
+              <a14:hiddenLine xmlns:a14="http://schemas.microsoft.com/office/drawing/2010/main" xmlns="" w="9525">
                 <a:solidFill>
                   <a:srgbClr val="000000"/>
                 </a:solidFill>
@@ -4421,9 +4460,6 @@
                 <a:headEnd/>
                 <a:tailEnd/>
               </a14:hiddenLine>
-            </a:ext>
-            <a:ext uri="{FAA26D3D-D897-4be2-8F04-BA451C77F1D7}">
-              <ma14:placeholderFlag xmlns:ma14="http://schemas.microsoft.com/office/mac/drawingml/2011/main" val="1"/>
             </a:ext>
           </a:extLst>
         </p:spPr>
@@ -4466,15 +4502,18 @@
             <a:noFill/>
           </a:ln>
           <a:extLst>
+            <a:ext uri="{FAA26D3D-D897-4be2-8F04-BA451C77F1D7}">
+              <ma14:placeholderFlag xmlns:ma14="http://schemas.microsoft.com/office/mac/drawingml/2011/main" val="1"/>
+            </a:ext>
             <a:ext uri="{909E8E84-426E-40dd-AFC4-6F175D3DCCD1}">
-              <a14:hiddenFill xmlns:a14="http://schemas.microsoft.com/office/drawing/2010/main">
+              <a14:hiddenFill xmlns:a14="http://schemas.microsoft.com/office/drawing/2010/main" xmlns="">
                 <a:solidFill>
                   <a:srgbClr val="FFFFFF"/>
                 </a:solidFill>
               </a14:hiddenFill>
             </a:ext>
             <a:ext uri="{91240B29-F687-4f45-9708-019B960494DF}">
-              <a14:hiddenLine xmlns:a14="http://schemas.microsoft.com/office/drawing/2010/main" w="9525">
+              <a14:hiddenLine xmlns:a14="http://schemas.microsoft.com/office/drawing/2010/main" xmlns="" w="9525">
                 <a:solidFill>
                   <a:srgbClr val="000000"/>
                 </a:solidFill>
@@ -4482,9 +4521,6 @@
                 <a:headEnd/>
                 <a:tailEnd/>
               </a14:hiddenLine>
-            </a:ext>
-            <a:ext uri="{FAA26D3D-D897-4be2-8F04-BA451C77F1D7}">
-              <ma14:placeholderFlag xmlns:ma14="http://schemas.microsoft.com/office/mac/drawingml/2011/main" val="1"/>
             </a:ext>
           </a:extLst>
         </p:spPr>
@@ -4582,7 +4618,7 @@
               <a:pPr>
                 <a:defRPr/>
               </a:pPr>
-              <a:t>1/18/15</a:t>
+              <a:t>8/12/16</a:t>
             </a:fld>
             <a:endParaRPr lang="en-US"/>
           </a:p>
@@ -5159,14 +5195,14 @@
           </a:ln>
           <a:extLst>
             <a:ext uri="{909E8E84-426E-40dd-AFC4-6F175D3DCCD1}">
-              <a14:hiddenFill xmlns:a14="http://schemas.microsoft.com/office/drawing/2010/main">
+              <a14:hiddenFill xmlns:a14="http://schemas.microsoft.com/office/drawing/2010/main" xmlns="">
                 <a:solidFill>
                   <a:srgbClr val="FFFFFF"/>
                 </a:solidFill>
               </a14:hiddenFill>
             </a:ext>
             <a:ext uri="{91240B29-F687-4f45-9708-019B960494DF}">
-              <a14:hiddenLine xmlns:a14="http://schemas.microsoft.com/office/drawing/2010/main" w="9525">
+              <a14:hiddenLine xmlns:a14="http://schemas.microsoft.com/office/drawing/2010/main" xmlns="" w="9525">
                 <a:solidFill>
                   <a:srgbClr val="000000"/>
                 </a:solidFill>
@@ -5328,14 +5364,14 @@
           </a:ln>
           <a:extLst>
             <a:ext uri="{909E8E84-426E-40dd-AFC4-6F175D3DCCD1}">
-              <a14:hiddenFill xmlns:a14="http://schemas.microsoft.com/office/drawing/2010/main">
+              <a14:hiddenFill xmlns:a14="http://schemas.microsoft.com/office/drawing/2010/main" xmlns="">
                 <a:solidFill>
                   <a:srgbClr val="FFFFFF"/>
                 </a:solidFill>
               </a14:hiddenFill>
             </a:ext>
             <a:ext uri="{91240B29-F687-4f45-9708-019B960494DF}">
-              <a14:hiddenLine xmlns:a14="http://schemas.microsoft.com/office/drawing/2010/main" w="9525">
+              <a14:hiddenLine xmlns:a14="http://schemas.microsoft.com/office/drawing/2010/main" xmlns="" w="9525">
                 <a:solidFill>
                   <a:srgbClr val="000000"/>
                 </a:solidFill>
@@ -5355,7 +5391,7 @@
   <p:timing>
     <p:tnLst>
       <p:par>
-        <p:cTn xmlns:p14="http://schemas.microsoft.com/office/powerpoint/2010/main" id="1" dur="indefinite" restart="never" nodeType="tmRoot"/>
+        <p:cTn id="1" dur="indefinite" restart="never" nodeType="tmRoot"/>
       </p:par>
     </p:tnLst>
   </p:timing>
@@ -7990,11 +8026,11 @@
   <p:clrMapOvr>
     <a:masterClrMapping/>
   </p:clrMapOvr>
-  <p:transition xmlns:p14="http://schemas.microsoft.com/office/powerpoint/2010/main" spd="slow"/>
+  <p:transition spd="slow"/>
   <p:timing>
     <p:tnLst>
       <p:par>
-        <p:cTn xmlns:p14="http://schemas.microsoft.com/office/powerpoint/2010/main" id="1" dur="indefinite" restart="never" nodeType="tmRoot"/>
+        <p:cTn id="1" dur="indefinite" restart="never" nodeType="tmRoot"/>
       </p:par>
     </p:tnLst>
   </p:timing>
@@ -8528,15 +8564,18 @@
             <a:noFill/>
           </a:ln>
           <a:extLst>
+            <a:ext uri="{FAA26D3D-D897-4be2-8F04-BA451C77F1D7}">
+              <ma14:placeholderFlag xmlns:ma14="http://schemas.microsoft.com/office/mac/drawingml/2011/main" val="1"/>
+            </a:ext>
             <a:ext uri="{909E8E84-426E-40dd-AFC4-6F175D3DCCD1}">
-              <a14:hiddenFill xmlns:a14="http://schemas.microsoft.com/office/drawing/2010/main">
+              <a14:hiddenFill xmlns:a14="http://schemas.microsoft.com/office/drawing/2010/main" xmlns="">
                 <a:solidFill>
                   <a:srgbClr val="FFFFFF"/>
                 </a:solidFill>
               </a14:hiddenFill>
             </a:ext>
             <a:ext uri="{91240B29-F687-4f45-9708-019B960494DF}">
-              <a14:hiddenLine xmlns:a14="http://schemas.microsoft.com/office/drawing/2010/main" w="9525">
+              <a14:hiddenLine xmlns:a14="http://schemas.microsoft.com/office/drawing/2010/main" xmlns="" w="9525">
                 <a:solidFill>
                   <a:srgbClr val="000000"/>
                 </a:solidFill>
@@ -8544,9 +8583,6 @@
                 <a:headEnd/>
                 <a:tailEnd/>
               </a14:hiddenLine>
-            </a:ext>
-            <a:ext uri="{FAA26D3D-D897-4be2-8F04-BA451C77F1D7}">
-              <ma14:placeholderFlag xmlns:ma14="http://schemas.microsoft.com/office/mac/drawingml/2011/main" val="1"/>
             </a:ext>
           </a:extLst>
         </p:spPr>
@@ -8749,7 +8785,6 @@
               <a:rPr lang="en-US" sz="2400" dirty="0" smtClean="0"/>
               <a:t>Lots more to do</a:t>
             </a:r>
-            <a:endParaRPr lang="en-US" sz="2400" dirty="0" smtClean="0"/>
           </a:p>
         </p:txBody>
       </p:sp>
@@ -9014,11 +9049,7 @@
           <a:p>
             <a:r>
               <a:rPr lang="en-US" sz="2800" dirty="0" err="1" smtClean="0"/>
-              <a:t>carewebframework</a:t>
-            </a:r>
-            <a:r>
-              <a:rPr lang="en-US" sz="2800" dirty="0" err="1" smtClean="0"/>
-              <a:t>-ohj</a:t>
+              <a:t>carewebframework-ohj</a:t>
             </a:r>
             <a:endParaRPr lang="en-US" sz="2800" dirty="0"/>
           </a:p>
@@ -9036,11 +9067,7 @@
           <a:p>
             <a:r>
               <a:rPr lang="en-US" sz="2800" dirty="0" err="1" smtClean="0"/>
-              <a:t>carewebframework</a:t>
-            </a:r>
-            <a:r>
-              <a:rPr lang="en-US" sz="2800" dirty="0" err="1" smtClean="0"/>
-              <a:t>-openmrs</a:t>
+              <a:t>carewebframework-openmrs</a:t>
             </a:r>
             <a:endParaRPr lang="en-US" sz="2800" dirty="0" smtClean="0"/>
           </a:p>
@@ -9162,14 +9189,14 @@
           </a:ln>
           <a:extLst>
             <a:ext uri="{909E8E84-426E-40dd-AFC4-6F175D3DCCD1}">
-              <a14:hiddenFill xmlns:a14="http://schemas.microsoft.com/office/drawing/2010/main">
+              <a14:hiddenFill xmlns:a14="http://schemas.microsoft.com/office/drawing/2010/main" xmlns="">
                 <a:solidFill>
                   <a:srgbClr val="FFFFFF"/>
                 </a:solidFill>
               </a14:hiddenFill>
             </a:ext>
             <a:ext uri="{91240B29-F687-4f45-9708-019B960494DF}">
-              <a14:hiddenLine xmlns:a14="http://schemas.microsoft.com/office/drawing/2010/main" w="9525">
+              <a14:hiddenLine xmlns:a14="http://schemas.microsoft.com/office/drawing/2010/main" xmlns="" w="9525">
                 <a:solidFill>
                   <a:srgbClr val="000000"/>
                 </a:solidFill>
@@ -9338,7 +9365,7 @@
   <p:timing>
     <p:tnLst>
       <p:par>
-        <p:cTn xmlns:p14="http://schemas.microsoft.com/office/powerpoint/2010/main" id="1" dur="indefinite" restart="never" nodeType="tmRoot">
+        <p:cTn id="1" dur="indefinite" restart="never" nodeType="tmRoot">
           <p:childTnLst>
             <p:seq concurrent="1" nextAc="seek">
               <p:cTn id="2" dur="indefinite" nodeType="mainSeq">
@@ -9648,21 +9675,13 @@
           <a:p>
             <a:r>
               <a:rPr lang="en-US" dirty="0" smtClean="0"/>
-              <a:t>Founded </a:t>
-            </a:r>
+              <a:t>Founded in 1969</a:t>
+            </a:r>
+          </a:p>
+          <a:p>
             <a:r>
               <a:rPr lang="en-US" dirty="0" smtClean="0"/>
-              <a:t>in 1969</a:t>
-            </a:r>
-          </a:p>
-          <a:p>
-            <a:r>
-              <a:rPr lang="en-US" dirty="0" smtClean="0"/>
-              <a:t>Healthcare </a:t>
-            </a:r>
-            <a:r>
-              <a:rPr lang="en-US" dirty="0" smtClean="0"/>
-              <a:t>research</a:t>
+              <a:t>Healthcare research</a:t>
             </a:r>
           </a:p>
           <a:p>
@@ -9670,7 +9689,6 @@
               <a:rPr lang="en-US" dirty="0" smtClean="0"/>
               <a:t>Funding sources</a:t>
             </a:r>
-            <a:endParaRPr lang="en-US" dirty="0" smtClean="0"/>
           </a:p>
           <a:p>
             <a:pPr lvl="1"/>
@@ -9678,17 +9696,12 @@
               <a:rPr lang="en-US" dirty="0" smtClean="0"/>
               <a:t>Grants (primary)</a:t>
             </a:r>
-            <a:endParaRPr lang="en-US" dirty="0" smtClean="0"/>
           </a:p>
           <a:p>
             <a:pPr lvl="1"/>
             <a:r>
               <a:rPr lang="en-US" dirty="0" smtClean="0"/>
-              <a:t>Regenstrief </a:t>
-            </a:r>
-            <a:r>
-              <a:rPr lang="en-US" dirty="0" smtClean="0"/>
-              <a:t>Foundation</a:t>
+              <a:t>Regenstrief Foundation</a:t>
             </a:r>
           </a:p>
           <a:p>
@@ -9697,7 +9710,6 @@
               <a:rPr lang="en-US" dirty="0" smtClean="0"/>
               <a:t>Industry Partnerships</a:t>
             </a:r>
-            <a:endParaRPr lang="en-US" dirty="0" smtClean="0"/>
           </a:p>
           <a:p>
             <a:r>
@@ -9802,11 +9814,7 @@
           <a:p>
             <a:r>
               <a:rPr lang="en-US" dirty="0" smtClean="0"/>
-              <a:t>Difficult to share </a:t>
-            </a:r>
-            <a:r>
-              <a:rPr lang="en-US" dirty="0" smtClean="0"/>
-              <a:t>innovations</a:t>
+              <a:t>Difficult to share innovations</a:t>
             </a:r>
           </a:p>
           <a:p>
@@ -9814,7 +9822,6 @@
               <a:rPr lang="en-US" dirty="0" smtClean="0"/>
               <a:t>Sound familiar?</a:t>
             </a:r>
-            <a:endParaRPr lang="en-US" dirty="0" smtClean="0"/>
           </a:p>
           <a:p>
             <a:endParaRPr lang="en-US" dirty="0"/>
@@ -9842,7 +9849,7 @@
   <p:timing>
     <p:tnLst>
       <p:par>
-        <p:cTn xmlns:p14="http://schemas.microsoft.com/office/powerpoint/2010/main" id="1" dur="indefinite" restart="never" nodeType="tmRoot"/>
+        <p:cTn id="1" dur="indefinite" restart="never" nodeType="tmRoot"/>
       </p:par>
     </p:tnLst>
   </p:timing>
@@ -9889,14 +9896,14 @@
           <a:effectLst/>
           <a:extLst>
             <a:ext uri="{909E8E84-426E-40dd-AFC4-6F175D3DCCD1}">
-              <a14:hiddenFill xmlns:a14="http://schemas.microsoft.com/office/drawing/2010/main">
+              <a14:hiddenFill xmlns:a14="http://schemas.microsoft.com/office/drawing/2010/main" xmlns="">
                 <a:solidFill>
                   <a:schemeClr val="accent1"/>
                 </a:solidFill>
               </a14:hiddenFill>
             </a:ext>
             <a:ext uri="{91240B29-F687-4f45-9708-019B960494DF}">
-              <a14:hiddenLine xmlns:a14="http://schemas.microsoft.com/office/drawing/2010/main" w="9525">
+              <a14:hiddenLine xmlns:a14="http://schemas.microsoft.com/office/drawing/2010/main" xmlns="" w="9525">
                 <a:solidFill>
                   <a:schemeClr val="tx1"/>
                 </a:solidFill>
@@ -9906,7 +9913,7 @@
               </a14:hiddenLine>
             </a:ext>
             <a:ext uri="{AF507438-7753-43e0-B8FC-AC1667EBCBE1}">
-              <a14:hiddenEffects xmlns:a14="http://schemas.microsoft.com/office/drawing/2010/main">
+              <a14:hiddenEffects xmlns:a14="http://schemas.microsoft.com/office/drawing/2010/main" xmlns="">
                 <a:effectLst>
                   <a:outerShdw blurRad="63500" dist="38099" dir="2700000" algn="ctr" rotWithShape="0">
                     <a:schemeClr val="bg2">
@@ -9963,14 +9970,14 @@
           <a:effectLst/>
           <a:extLst>
             <a:ext uri="{909E8E84-426E-40dd-AFC4-6F175D3DCCD1}">
-              <a14:hiddenFill xmlns:a14="http://schemas.microsoft.com/office/drawing/2010/main">
+              <a14:hiddenFill xmlns:a14="http://schemas.microsoft.com/office/drawing/2010/main" xmlns="">
                 <a:solidFill>
                   <a:schemeClr val="accent1"/>
                 </a:solidFill>
               </a14:hiddenFill>
             </a:ext>
             <a:ext uri="{91240B29-F687-4f45-9708-019B960494DF}">
-              <a14:hiddenLine xmlns:a14="http://schemas.microsoft.com/office/drawing/2010/main" w="9525">
+              <a14:hiddenLine xmlns:a14="http://schemas.microsoft.com/office/drawing/2010/main" xmlns="" w="9525">
                 <a:solidFill>
                   <a:schemeClr val="tx1"/>
                 </a:solidFill>
@@ -9980,7 +9987,7 @@
               </a14:hiddenLine>
             </a:ext>
             <a:ext uri="{AF507438-7753-43e0-B8FC-AC1667EBCBE1}">
-              <a14:hiddenEffects xmlns:a14="http://schemas.microsoft.com/office/drawing/2010/main">
+              <a14:hiddenEffects xmlns:a14="http://schemas.microsoft.com/office/drawing/2010/main" xmlns="">
                 <a:effectLst>
                   <a:outerShdw blurRad="63500" dist="38099" dir="2700000" algn="ctr" rotWithShape="0">
                     <a:schemeClr val="bg2">
@@ -10596,13 +10603,7 @@
               <a:rPr lang="en-US" sz="1800" b="1" dirty="0" smtClean="0">
                 <a:latin typeface="Times New Roman" charset="0"/>
               </a:rPr>
-              <a:t>120 IHS </a:t>
-            </a:r>
-            <a:r>
-              <a:rPr lang="en-US" sz="1800" b="1" dirty="0" smtClean="0">
-                <a:latin typeface="Times New Roman" charset="0"/>
-              </a:rPr>
-              <a:t>sites</a:t>
+              <a:t>120 IHS sites</a:t>
             </a:r>
           </a:p>
           <a:p>
@@ -10851,7 +10852,7 @@
   <p:timing>
     <p:tnLst>
       <p:par>
-        <p:cTn xmlns:p14="http://schemas.microsoft.com/office/powerpoint/2010/main" id="1" dur="indefinite" restart="never" nodeType="tmRoot"/>
+        <p:cTn id="1" dur="indefinite" restart="never" nodeType="tmRoot"/>
       </p:par>
     </p:tnLst>
   </p:timing>
@@ -10893,11 +10894,7 @@
             <a:pPr algn="ctr"/>
             <a:r>
               <a:rPr lang="en-US" dirty="0" smtClean="0"/>
-              <a:t>What We </a:t>
-            </a:r>
-            <a:r>
-              <a:rPr lang="en-US" dirty="0" smtClean="0"/>
-              <a:t>Know</a:t>
+              <a:t>What We Know</a:t>
             </a:r>
             <a:endParaRPr lang="en-US" dirty="0"/>
           </a:p>
@@ -10987,7 +10984,7 @@
   <p:timing>
     <p:tnLst>
       <p:par>
-        <p:cTn xmlns:p14="http://schemas.microsoft.com/office/powerpoint/2010/main" id="1" dur="indefinite" restart="never" nodeType="tmRoot"/>
+        <p:cTn id="1" dur="indefinite" restart="never" nodeType="tmRoot"/>
       </p:par>
     </p:tnLst>
   </p:timing>
@@ -11059,21 +11056,18 @@
               <a:rPr lang="en-US" dirty="0" smtClean="0"/>
               <a:t>Third generation framework</a:t>
             </a:r>
-            <a:endParaRPr lang="en-US" dirty="0" smtClean="0"/>
           </a:p>
           <a:p>
             <a:r>
               <a:rPr lang="en-US" dirty="0" smtClean="0"/>
               <a:t>Web-based</a:t>
             </a:r>
-            <a:endParaRPr lang="en-US" dirty="0" smtClean="0"/>
           </a:p>
           <a:p>
             <a:r>
               <a:rPr lang="en-US" dirty="0" smtClean="0"/>
               <a:t>100% open source (MPL 2.0)</a:t>
             </a:r>
-            <a:endParaRPr lang="en-US" dirty="0" smtClean="0"/>
           </a:p>
           <a:p>
             <a:r>
@@ -11113,7 +11107,7 @@
   <p:timing>
     <p:tnLst>
       <p:par>
-        <p:cTn xmlns:p14="http://schemas.microsoft.com/office/powerpoint/2010/main" id="1" dur="indefinite" restart="never" nodeType="tmRoot"/>
+        <p:cTn id="1" dur="indefinite" restart="never" nodeType="tmRoot"/>
       </p:par>
     </p:tnLst>
   </p:timing>
@@ -11160,14 +11154,14 @@
           <a:effectLst/>
           <a:extLst>
             <a:ext uri="{909E8E84-426E-40dd-AFC4-6F175D3DCCD1}">
-              <a14:hiddenFill xmlns:a14="http://schemas.microsoft.com/office/drawing/2010/main">
+              <a14:hiddenFill xmlns:a14="http://schemas.microsoft.com/office/drawing/2010/main" xmlns="">
                 <a:solidFill>
                   <a:schemeClr val="accent1"/>
                 </a:solidFill>
               </a14:hiddenFill>
             </a:ext>
             <a:ext uri="{91240B29-F687-4f45-9708-019B960494DF}">
-              <a14:hiddenLine xmlns:a14="http://schemas.microsoft.com/office/drawing/2010/main" w="9525">
+              <a14:hiddenLine xmlns:a14="http://schemas.microsoft.com/office/drawing/2010/main" xmlns="" w="9525">
                 <a:solidFill>
                   <a:schemeClr val="tx1"/>
                 </a:solidFill>
@@ -11177,7 +11171,7 @@
               </a14:hiddenLine>
             </a:ext>
             <a:ext uri="{AF507438-7753-43e0-B8FC-AC1667EBCBE1}">
-              <a14:hiddenEffects xmlns:a14="http://schemas.microsoft.com/office/drawing/2010/main">
+              <a14:hiddenEffects xmlns:a14="http://schemas.microsoft.com/office/drawing/2010/main" xmlns="">
                 <a:effectLst>
                   <a:outerShdw blurRad="63500" dist="38099" dir="2700000" algn="ctr" rotWithShape="0">
                     <a:schemeClr val="bg2">
@@ -11203,13 +11197,8 @@
             </a:pPr>
             <a:r>
               <a:rPr lang="en-US" sz="4400" dirty="0" smtClean="0"/>
-              <a:t>CareWeb </a:t>
-            </a:r>
-            <a:r>
-              <a:rPr lang="en-US" sz="4400" dirty="0" smtClean="0"/>
-              <a:t>Framework Features</a:t>
-            </a:r>
-            <a:endParaRPr lang="en-US" sz="4400" dirty="0" smtClean="0"/>
+              <a:t>CareWeb Framework Features</a:t>
+            </a:r>
           </a:p>
         </p:txBody>
       </p:sp>
@@ -11236,14 +11225,14 @@
           <a:effectLst/>
           <a:extLst>
             <a:ext uri="{909E8E84-426E-40dd-AFC4-6F175D3DCCD1}">
-              <a14:hiddenFill xmlns:a14="http://schemas.microsoft.com/office/drawing/2010/main">
+              <a14:hiddenFill xmlns:a14="http://schemas.microsoft.com/office/drawing/2010/main" xmlns="">
                 <a:solidFill>
                   <a:schemeClr val="accent1"/>
                 </a:solidFill>
               </a14:hiddenFill>
             </a:ext>
             <a:ext uri="{91240B29-F687-4f45-9708-019B960494DF}">
-              <a14:hiddenLine xmlns:a14="http://schemas.microsoft.com/office/drawing/2010/main" w="9525">
+              <a14:hiddenLine xmlns:a14="http://schemas.microsoft.com/office/drawing/2010/main" xmlns="" w="9525">
                 <a:solidFill>
                   <a:schemeClr val="tx1"/>
                 </a:solidFill>
@@ -11253,7 +11242,7 @@
               </a14:hiddenLine>
             </a:ext>
             <a:ext uri="{AF507438-7753-43e0-B8FC-AC1667EBCBE1}">
-              <a14:hiddenEffects xmlns:a14="http://schemas.microsoft.com/office/drawing/2010/main">
+              <a14:hiddenEffects xmlns:a14="http://schemas.microsoft.com/office/drawing/2010/main" xmlns="">
                 <a:effectLst>
                   <a:outerShdw blurRad="63500" dist="38099" dir="2700000" algn="ctr" rotWithShape="0">
                     <a:schemeClr val="bg2">
@@ -11409,23 +11398,8 @@
               <a:rPr lang="en-US" sz="2400" b="1" dirty="0" smtClean="0">
                 <a:latin typeface="Times New Roman" charset="0"/>
               </a:rPr>
-              <a:t>Provides a foundation </a:t>
-            </a:r>
-            <a:r>
-              <a:rPr lang="en-US" sz="2400" b="1" dirty="0" smtClean="0">
-                <a:latin typeface="Times New Roman" charset="0"/>
-              </a:rPr>
-              <a:t>for building </a:t>
-            </a:r>
-            <a:r>
-              <a:rPr lang="en-US" sz="2400" b="1" dirty="0" smtClean="0">
-                <a:latin typeface="Times New Roman" charset="0"/>
-              </a:rPr>
-              <a:t>modular applications</a:t>
-            </a:r>
-            <a:endParaRPr lang="en-US" sz="2400" b="1" dirty="0" smtClean="0">
-              <a:latin typeface="Times New Roman" charset="0"/>
-            </a:endParaRPr>
+              <a:t>Provides a foundation for building modular applications</a:t>
+            </a:r>
           </a:p>
           <a:p>
             <a:pPr eaLnBrk="0" hangingPunct="0">
@@ -11508,13 +11482,7 @@
               <a:rPr lang="en-US" sz="2400" b="1" dirty="0" smtClean="0">
                 <a:latin typeface="Times New Roman" charset="0"/>
               </a:rPr>
-              <a:t>Coordinates shared functions (events, contexts</a:t>
-            </a:r>
-            <a:r>
-              <a:rPr lang="en-US" sz="2400" b="1" dirty="0" smtClean="0">
-                <a:latin typeface="Times New Roman" charset="0"/>
-              </a:rPr>
-              <a:t>)</a:t>
+              <a:t>Coordinates shared functions (events, contexts)</a:t>
             </a:r>
           </a:p>
           <a:p>
@@ -11537,9 +11505,6 @@
               </a:rPr>
               <a:t>Heavily promotes code re-use / sharing</a:t>
             </a:r>
-            <a:endParaRPr lang="en-US" sz="2400" b="1" dirty="0" smtClean="0">
-              <a:latin typeface="Times New Roman" charset="0"/>
-            </a:endParaRPr>
           </a:p>
           <a:p>
             <a:pPr eaLnBrk="0" hangingPunct="0">
@@ -11577,7 +11542,7 @@
   <p:timing>
     <p:tnLst>
       <p:par>
-        <p:cTn xmlns:p14="http://schemas.microsoft.com/office/powerpoint/2010/main" id="1" dur="indefinite" restart="never" nodeType="tmRoot"/>
+        <p:cTn id="1" dur="indefinite" restart="never" nodeType="tmRoot"/>
       </p:par>
     </p:tnLst>
   </p:timing>
@@ -11741,7 +11706,7 @@
   <p:timing>
     <p:tnLst>
       <p:par>
-        <p:cTn xmlns:p14="http://schemas.microsoft.com/office/powerpoint/2010/main" id="1" dur="indefinite" restart="never" nodeType="tmRoot"/>
+        <p:cTn id="1" dur="indefinite" restart="never" nodeType="tmRoot"/>
       </p:par>
     </p:tnLst>
   </p:timing>
